--- a/Comparison in between Searching Method.pptx
+++ b/Comparison in between Searching Method.pptx
@@ -6,18 +6,25 @@
   </p:sldMasterIdLst>
   <p:sldIdLst>
     <p:sldId id="256" r:id="rId2"/>
-    <p:sldId id="267" r:id="rId3"/>
-    <p:sldId id="257" r:id="rId4"/>
-    <p:sldId id="258" r:id="rId5"/>
-    <p:sldId id="259" r:id="rId6"/>
-    <p:sldId id="260" r:id="rId7"/>
-    <p:sldId id="261" r:id="rId8"/>
-    <p:sldId id="262" r:id="rId9"/>
-    <p:sldId id="263" r:id="rId10"/>
-    <p:sldId id="264" r:id="rId11"/>
-    <p:sldId id="265" r:id="rId12"/>
-    <p:sldId id="268" r:id="rId13"/>
-    <p:sldId id="266" r:id="rId14"/>
+    <p:sldId id="270" r:id="rId3"/>
+    <p:sldId id="273" r:id="rId4"/>
+    <p:sldId id="272" r:id="rId5"/>
+    <p:sldId id="276" r:id="rId6"/>
+    <p:sldId id="274" r:id="rId7"/>
+    <p:sldId id="277" r:id="rId8"/>
+    <p:sldId id="279" r:id="rId9"/>
+    <p:sldId id="269" r:id="rId10"/>
+    <p:sldId id="267" r:id="rId11"/>
+    <p:sldId id="257" r:id="rId12"/>
+    <p:sldId id="258" r:id="rId13"/>
+    <p:sldId id="259" r:id="rId14"/>
+    <p:sldId id="261" r:id="rId15"/>
+    <p:sldId id="262" r:id="rId16"/>
+    <p:sldId id="263" r:id="rId17"/>
+    <p:sldId id="264" r:id="rId18"/>
+    <p:sldId id="265" r:id="rId19"/>
+    <p:sldId id="268" r:id="rId20"/>
+    <p:sldId id="266" r:id="rId21"/>
   </p:sldIdLst>
   <p:sldSz cx="12192000" cy="6858000"/>
   <p:notesSz cx="6858000" cy="9144000"/>
@@ -116,6 +123,11 @@
       </a:defRPr>
     </a:lvl9pPr>
   </p:defaultTextStyle>
+  <p:extLst>
+    <p:ext uri="{EFAFB233-063F-42B5-8137-9DF3F51BA10A}">
+      <p15:sldGuideLst xmlns:p15="http://schemas.microsoft.com/office/powerpoint/2012/main"/>
+    </p:ext>
+  </p:extLst>
 </p:presentation>
 </file>
 
@@ -268,7 +280,7 @@
           <a:p>
             <a:fld id="{46D25DC7-D97A-423E-A228-0CECFA8CA1F7}" type="datetimeFigureOut">
               <a:rPr lang="en-MY" smtClean="0"/>
-              <a:t>14/4/2019</a:t>
+              <a:t>19/4/2019</a:t>
             </a:fld>
             <a:endParaRPr lang="en-MY"/>
           </a:p>
@@ -468,7 +480,7 @@
           <a:p>
             <a:fld id="{46D25DC7-D97A-423E-A228-0CECFA8CA1F7}" type="datetimeFigureOut">
               <a:rPr lang="en-MY" smtClean="0"/>
-              <a:t>14/4/2019</a:t>
+              <a:t>19/4/2019</a:t>
             </a:fld>
             <a:endParaRPr lang="en-MY"/>
           </a:p>
@@ -678,7 +690,7 @@
           <a:p>
             <a:fld id="{46D25DC7-D97A-423E-A228-0CECFA8CA1F7}" type="datetimeFigureOut">
               <a:rPr lang="en-MY" smtClean="0"/>
-              <a:t>14/4/2019</a:t>
+              <a:t>19/4/2019</a:t>
             </a:fld>
             <a:endParaRPr lang="en-MY"/>
           </a:p>
@@ -878,7 +890,7 @@
           <a:p>
             <a:fld id="{46D25DC7-D97A-423E-A228-0CECFA8CA1F7}" type="datetimeFigureOut">
               <a:rPr lang="en-MY" smtClean="0"/>
-              <a:t>14/4/2019</a:t>
+              <a:t>19/4/2019</a:t>
             </a:fld>
             <a:endParaRPr lang="en-MY"/>
           </a:p>
@@ -1154,7 +1166,7 @@
           <a:p>
             <a:fld id="{46D25DC7-D97A-423E-A228-0CECFA8CA1F7}" type="datetimeFigureOut">
               <a:rPr lang="en-MY" smtClean="0"/>
-              <a:t>14/4/2019</a:t>
+              <a:t>19/4/2019</a:t>
             </a:fld>
             <a:endParaRPr lang="en-MY"/>
           </a:p>
@@ -1422,7 +1434,7 @@
           <a:p>
             <a:fld id="{46D25DC7-D97A-423E-A228-0CECFA8CA1F7}" type="datetimeFigureOut">
               <a:rPr lang="en-MY" smtClean="0"/>
-              <a:t>14/4/2019</a:t>
+              <a:t>19/4/2019</a:t>
             </a:fld>
             <a:endParaRPr lang="en-MY"/>
           </a:p>
@@ -1837,7 +1849,7 @@
           <a:p>
             <a:fld id="{46D25DC7-D97A-423E-A228-0CECFA8CA1F7}" type="datetimeFigureOut">
               <a:rPr lang="en-MY" smtClean="0"/>
-              <a:t>14/4/2019</a:t>
+              <a:t>19/4/2019</a:t>
             </a:fld>
             <a:endParaRPr lang="en-MY"/>
           </a:p>
@@ -1979,7 +1991,7 @@
           <a:p>
             <a:fld id="{46D25DC7-D97A-423E-A228-0CECFA8CA1F7}" type="datetimeFigureOut">
               <a:rPr lang="en-MY" smtClean="0"/>
-              <a:t>14/4/2019</a:t>
+              <a:t>19/4/2019</a:t>
             </a:fld>
             <a:endParaRPr lang="en-MY"/>
           </a:p>
@@ -2092,7 +2104,7 @@
           <a:p>
             <a:fld id="{46D25DC7-D97A-423E-A228-0CECFA8CA1F7}" type="datetimeFigureOut">
               <a:rPr lang="en-MY" smtClean="0"/>
-              <a:t>14/4/2019</a:t>
+              <a:t>19/4/2019</a:t>
             </a:fld>
             <a:endParaRPr lang="en-MY"/>
           </a:p>
@@ -2405,7 +2417,7 @@
           <a:p>
             <a:fld id="{46D25DC7-D97A-423E-A228-0CECFA8CA1F7}" type="datetimeFigureOut">
               <a:rPr lang="en-MY" smtClean="0"/>
-              <a:t>14/4/2019</a:t>
+              <a:t>19/4/2019</a:t>
             </a:fld>
             <a:endParaRPr lang="en-MY"/>
           </a:p>
@@ -2694,7 +2706,7 @@
           <a:p>
             <a:fld id="{46D25DC7-D97A-423E-A228-0CECFA8CA1F7}" type="datetimeFigureOut">
               <a:rPr lang="en-MY" smtClean="0"/>
-              <a:t>14/4/2019</a:t>
+              <a:t>19/4/2019</a:t>
             </a:fld>
             <a:endParaRPr lang="en-MY"/>
           </a:p>
@@ -2937,7 +2949,7 @@
           <a:p>
             <a:fld id="{46D25DC7-D97A-423E-A228-0CECFA8CA1F7}" type="datetimeFigureOut">
               <a:rPr lang="en-MY" smtClean="0"/>
-              <a:t>14/4/2019</a:t>
+              <a:t>19/4/2019</a:t>
             </a:fld>
             <a:endParaRPr lang="en-MY"/>
           </a:p>
@@ -3377,7 +3389,7 @@
           <a:p>
             <a:r>
               <a:rPr lang="en-MY" dirty="0"/>
-              <a:t>Comparison in between Searching Method</a:t>
+              <a:t>Score Rules</a:t>
             </a:r>
           </a:p>
         </p:txBody>
@@ -3442,7 +3454,7 @@
           <p:cNvPr id="2" name="Title 1">
             <a:extLst>
               <a:ext uri="{FF2B5EF4-FFF2-40B4-BE49-F238E27FC236}">
-                <a16:creationId xmlns:a16="http://schemas.microsoft.com/office/drawing/2014/main" id="{D84DCBCA-63FD-4161-8B78-9962FD6B260D}"/>
+                <a16:creationId xmlns:a16="http://schemas.microsoft.com/office/drawing/2014/main" id="{D981DF60-DE45-41E7-9BE8-EC9F85EDCAE6}"/>
               </a:ext>
             </a:extLst>
           </p:cNvPr>
@@ -3460,7 +3472,7 @@
           <a:p>
             <a:r>
               <a:rPr lang="en-MY" dirty="0"/>
-              <a:t>Simulated Annealing</a:t>
+              <a:t>Simulation comparison</a:t>
             </a:r>
           </a:p>
         </p:txBody>
@@ -3470,7 +3482,7 @@
           <p:cNvPr id="3" name="Content Placeholder 2">
             <a:extLst>
               <a:ext uri="{FF2B5EF4-FFF2-40B4-BE49-F238E27FC236}">
-                <a16:creationId xmlns:a16="http://schemas.microsoft.com/office/drawing/2014/main" id="{04F6321B-9093-47F6-B9A6-1B76FEE751DB}"/>
+                <a16:creationId xmlns:a16="http://schemas.microsoft.com/office/drawing/2014/main" id="{A9474B8A-FA1E-4E0E-AB30-AB1B55D0A2AC}"/>
               </a:ext>
             </a:extLst>
           </p:cNvPr>
@@ -3488,23 +3500,19 @@
           <a:p>
             <a:r>
               <a:rPr lang="en-MY" dirty="0"/>
-              <a:t>Simulated annealing is derived from the annealing process in forging process. Temperature function decides where the next search to go.</a:t>
-            </a:r>
-          </a:p>
-          <a:p>
-            <a:r>
-              <a:rPr lang="en-MY" dirty="0" err="1"/>
-              <a:t>Optaplanner</a:t>
-            </a:r>
-            <a:r>
-              <a:rPr lang="en-MY" dirty="0"/>
-              <a:t> allows simulated annealing to be performed after a certain value of hard/soft score.</a:t>
-            </a:r>
-          </a:p>
-          <a:p>
-            <a:r>
-              <a:rPr lang="en-MY" dirty="0"/>
-              <a:t>In our problem domain, simulated annealing is converging slower than the LAHC with L=400.</a:t>
+              <a:t>The local search type is chosen based on simulations.</a:t>
+            </a:r>
+          </a:p>
+          <a:p>
+            <a:r>
+              <a:rPr lang="en-MY" dirty="0"/>
+              <a:t>A typical search space involves enough practitioner for patients.</a:t>
+            </a:r>
+          </a:p>
+          <a:p>
+            <a:r>
+              <a:rPr lang="en-MY" dirty="0"/>
+              <a:t>All the search are based on first fit increasing method. Then the local search is performed.</a:t>
             </a:r>
           </a:p>
         </p:txBody>
@@ -3512,7 +3520,7 @@
     </p:spTree>
     <p:extLst>
       <p:ext uri="{BB962C8B-B14F-4D97-AF65-F5344CB8AC3E}">
-        <p14:creationId xmlns:p14="http://schemas.microsoft.com/office/powerpoint/2010/main" val="2363051427"/>
+        <p14:creationId xmlns:p14="http://schemas.microsoft.com/office/powerpoint/2010/main" val="1982970861"/>
       </p:ext>
     </p:extLst>
   </p:cSld>
@@ -3544,7 +3552,7 @@
           <p:cNvPr id="2" name="Title 1">
             <a:extLst>
               <a:ext uri="{FF2B5EF4-FFF2-40B4-BE49-F238E27FC236}">
-                <a16:creationId xmlns:a16="http://schemas.microsoft.com/office/drawing/2014/main" id="{C418B6F4-1F99-4B68-A2E3-04CF01869430}"/>
+                <a16:creationId xmlns:a16="http://schemas.microsoft.com/office/drawing/2014/main" id="{B90AE32D-ADFF-4A18-8341-2C7CBB0CE6EF}"/>
               </a:ext>
             </a:extLst>
           </p:cNvPr>
@@ -3560,7 +3568,10 @@
           <a:bodyPr/>
           <a:lstStyle/>
           <a:p>
-            <a:endParaRPr lang="en-MY"/>
+            <a:r>
+              <a:rPr lang="en-MY" dirty="0"/>
+              <a:t>Late Acceptance (LAHC)</a:t>
+            </a:r>
           </a:p>
         </p:txBody>
       </p:sp>
@@ -3569,7 +3580,7 @@
           <p:cNvPr id="3" name="Content Placeholder 2">
             <a:extLst>
               <a:ext uri="{FF2B5EF4-FFF2-40B4-BE49-F238E27FC236}">
-                <a16:creationId xmlns:a16="http://schemas.microsoft.com/office/drawing/2014/main" id="{D3DAD507-3156-472F-B861-AADC8D4D2B12}"/>
+                <a16:creationId xmlns:a16="http://schemas.microsoft.com/office/drawing/2014/main" id="{48661199-065B-4F6F-AFDA-3E245D12C904}"/>
               </a:ext>
             </a:extLst>
           </p:cNvPr>
@@ -3585,43 +3596,46 @@
           <a:bodyPr/>
           <a:lstStyle/>
           <a:p>
-            <a:endParaRPr lang="en-MY"/>
-          </a:p>
-        </p:txBody>
-      </p:sp>
-      <p:pic>
-        <p:nvPicPr>
-          <p:cNvPr id="4" name="Picture 3">
-            <a:extLst>
-              <a:ext uri="{FF2B5EF4-FFF2-40B4-BE49-F238E27FC236}">
-                <a16:creationId xmlns:a16="http://schemas.microsoft.com/office/drawing/2014/main" id="{D7E48FAB-AB2A-4414-89AA-3FA55372BA8C}"/>
-              </a:ext>
-            </a:extLst>
-          </p:cNvPr>
-          <p:cNvPicPr>
-            <a:picLocks noChangeAspect="1"/>
-          </p:cNvPicPr>
-          <p:nvPr/>
-        </p:nvPicPr>
-        <p:blipFill rotWithShape="1">
-          <a:blip r:embed="rId2"/>
-          <a:srcRect l="17939" t="17477" r="31689" b="15316"/>
-          <a:stretch/>
-        </p:blipFill>
-        <p:spPr>
-          <a:xfrm>
-            <a:off x="2187146" y="365125"/>
-            <a:ext cx="7549978" cy="5666282"/>
-          </a:xfrm>
-          <a:prstGeom prst="rect">
-            <a:avLst/>
-          </a:prstGeom>
-        </p:spPr>
-      </p:pic>
+            <a:r>
+              <a:rPr lang="en-MY" dirty="0"/>
+              <a:t>LAHC is a hill climbing method but allow weaker solution to be chosen with criteria. Late acceptance means a solution S’ is accepted if its fitness is still larger than the fitness in L step earlier.</a:t>
+            </a:r>
+          </a:p>
+          <a:p>
+            <a:r>
+              <a:rPr lang="en-MY" dirty="0" err="1"/>
+              <a:t>Optaplanner</a:t>
+            </a:r>
+            <a:r>
+              <a:rPr lang="en-MY" dirty="0"/>
+              <a:t> provide option to tweak the late acceptance L parameter. In </a:t>
+            </a:r>
+            <a:r>
+              <a:rPr lang="en-MY" dirty="0" err="1"/>
+              <a:t>Optaplanner</a:t>
+            </a:r>
+            <a:r>
+              <a:rPr lang="en-MY" dirty="0"/>
+              <a:t>, L step size is defined as late acceptance size. (note that the KIE </a:t>
+            </a:r>
+            <a:r>
+              <a:rPr lang="en-MY" dirty="0" err="1"/>
+              <a:t>optaplanner</a:t>
+            </a:r>
+            <a:r>
+              <a:rPr lang="en-MY" dirty="0"/>
+              <a:t> workbench may not allow the tweaking)</a:t>
+            </a:r>
+          </a:p>
+          <a:p>
+            <a:endParaRPr lang="en-MY" dirty="0"/>
+          </a:p>
+        </p:txBody>
+      </p:sp>
     </p:spTree>
     <p:extLst>
       <p:ext uri="{BB962C8B-B14F-4D97-AF65-F5344CB8AC3E}">
-        <p14:creationId xmlns:p14="http://schemas.microsoft.com/office/powerpoint/2010/main" val="2335871706"/>
+        <p14:creationId xmlns:p14="http://schemas.microsoft.com/office/powerpoint/2010/main" val="3763880948"/>
       </p:ext>
     </p:extLst>
   </p:cSld>
@@ -3648,78 +3662,71 @@
           <a:chExt cx="0" cy="0"/>
         </a:xfrm>
       </p:grpSpPr>
-      <p:sp>
-        <p:nvSpPr>
-          <p:cNvPr id="2" name="Title 1">
-            <a:extLst>
-              <a:ext uri="{FF2B5EF4-FFF2-40B4-BE49-F238E27FC236}">
-                <a16:creationId xmlns:a16="http://schemas.microsoft.com/office/drawing/2014/main" id="{DC8242C9-62CE-4F60-8BBC-8AA0721675AD}"/>
-              </a:ext>
-            </a:extLst>
-          </p:cNvPr>
-          <p:cNvSpPr>
-            <a:spLocks noGrp="1"/>
-          </p:cNvSpPr>
-          <p:nvPr>
-            <p:ph type="title"/>
-          </p:nvPr>
-        </p:nvSpPr>
-        <p:spPr/>
-        <p:txBody>
-          <a:bodyPr/>
-          <a:lstStyle/>
-          <a:p>
-            <a:r>
-              <a:rPr lang="en-MY" dirty="0"/>
-              <a:t>Harder Scenario</a:t>
-            </a:r>
-          </a:p>
-        </p:txBody>
-      </p:sp>
-      <p:sp>
-        <p:nvSpPr>
-          <p:cNvPr id="3" name="Content Placeholder 2">
-            <a:extLst>
-              <a:ext uri="{FF2B5EF4-FFF2-40B4-BE49-F238E27FC236}">
-                <a16:creationId xmlns:a16="http://schemas.microsoft.com/office/drawing/2014/main" id="{6AF522DE-ADBA-4F48-9EFD-0E4A38C055DD}"/>
-              </a:ext>
-            </a:extLst>
-          </p:cNvPr>
-          <p:cNvSpPr>
-            <a:spLocks noGrp="1"/>
-          </p:cNvSpPr>
-          <p:nvPr>
-            <p:ph idx="1"/>
-          </p:nvPr>
-        </p:nvSpPr>
-        <p:spPr/>
-        <p:txBody>
-          <a:bodyPr/>
-          <a:lstStyle/>
-          <a:p>
-            <a:r>
-              <a:rPr lang="en-MY" dirty="0"/>
-              <a:t>In scenario where Tamil speaking practitioners are not available, the search may requires a longer time. </a:t>
-            </a:r>
-          </a:p>
-          <a:p>
-            <a:r>
-              <a:rPr lang="en-MY" dirty="0"/>
-              <a:t>Few type of local search are compared again.</a:t>
-            </a:r>
-          </a:p>
-          <a:p>
-            <a:r>
-              <a:rPr lang="en-MY" dirty="0"/>
-              <a:t>However, LAHC is again giving the maximum count with less time despite the </a:t>
-            </a:r>
-            <a:r>
-              <a:rPr lang="en-MY" dirty="0" err="1"/>
-              <a:t>tabu</a:t>
-            </a:r>
-            <a:r>
-              <a:rPr lang="en-MY" dirty="0"/>
-              <a:t> search is still giving a higher score at the beginning.</a:t>
+      <p:pic>
+        <p:nvPicPr>
+          <p:cNvPr id="5" name="Picture 4">
+            <a:extLst>
+              <a:ext uri="{FF2B5EF4-FFF2-40B4-BE49-F238E27FC236}">
+                <a16:creationId xmlns:a16="http://schemas.microsoft.com/office/drawing/2014/main" id="{B7989CFE-9EC6-4C31-855C-18941C6EA750}"/>
+              </a:ext>
+            </a:extLst>
+          </p:cNvPr>
+          <p:cNvPicPr>
+            <a:picLocks noChangeAspect="1"/>
+          </p:cNvPicPr>
+          <p:nvPr/>
+        </p:nvPicPr>
+        <p:blipFill rotWithShape="1">
+          <a:blip r:embed="rId2"/>
+          <a:srcRect l="17432" t="21621" r="31081" b="9930"/>
+          <a:stretch/>
+        </p:blipFill>
+        <p:spPr>
+          <a:xfrm>
+            <a:off x="2125362" y="346234"/>
+            <a:ext cx="7797114" cy="5830729"/>
+          </a:xfrm>
+          <a:prstGeom prst="rect">
+            <a:avLst/>
+          </a:prstGeom>
+        </p:spPr>
+      </p:pic>
+      <p:sp>
+        <p:nvSpPr>
+          <p:cNvPr id="4" name="Rectangle 3">
+            <a:extLst>
+              <a:ext uri="{FF2B5EF4-FFF2-40B4-BE49-F238E27FC236}">
+                <a16:creationId xmlns:a16="http://schemas.microsoft.com/office/drawing/2014/main" id="{277DFADA-98C1-49B0-894B-E0034257F132}"/>
+              </a:ext>
+            </a:extLst>
+          </p:cNvPr>
+          <p:cNvSpPr/>
+          <p:nvPr/>
+        </p:nvSpPr>
+        <p:spPr>
+          <a:xfrm>
+            <a:off x="1950655" y="6083441"/>
+            <a:ext cx="8719695" cy="646331"/>
+          </a:xfrm>
+          <a:prstGeom prst="rect">
+            <a:avLst/>
+          </a:prstGeom>
+        </p:spPr>
+        <p:txBody>
+          <a:bodyPr wrap="none">
+            <a:spAutoFit/>
+          </a:bodyPr>
+          <a:lstStyle/>
+          <a:p>
+            <a:r>
+              <a:rPr lang="en-MY" dirty="0"/>
+              <a:t>L=400 is a better choice compared to L=200 and L=600. </a:t>
+            </a:r>
+          </a:p>
+          <a:p>
+            <a:r>
+              <a:rPr lang="en-MY" dirty="0"/>
+              <a:t>Increasing L slow the convergence but decreasing it drastically may results in local extrema.</a:t>
             </a:r>
           </a:p>
         </p:txBody>
@@ -3727,7 +3734,7 @@
     </p:spTree>
     <p:extLst>
       <p:ext uri="{BB962C8B-B14F-4D97-AF65-F5344CB8AC3E}">
-        <p14:creationId xmlns:p14="http://schemas.microsoft.com/office/powerpoint/2010/main" val="1139140697"/>
+        <p14:creationId xmlns:p14="http://schemas.microsoft.com/office/powerpoint/2010/main" val="2156560199"/>
       </p:ext>
     </p:extLst>
   </p:cSld>
@@ -3759,7 +3766,7 @@
           <p:cNvPr id="2" name="Title 1">
             <a:extLst>
               <a:ext uri="{FF2B5EF4-FFF2-40B4-BE49-F238E27FC236}">
-                <a16:creationId xmlns:a16="http://schemas.microsoft.com/office/drawing/2014/main" id="{1208440F-636A-446E-A992-EE5F8EDFDC68}"/>
+                <a16:creationId xmlns:a16="http://schemas.microsoft.com/office/drawing/2014/main" id="{F34D7873-6079-41AF-8F8E-F687DE586AB2}"/>
               </a:ext>
             </a:extLst>
           </p:cNvPr>
@@ -3775,7 +3782,10 @@
           <a:bodyPr/>
           <a:lstStyle/>
           <a:p>
-            <a:endParaRPr lang="en-MY"/>
+            <a:r>
+              <a:rPr lang="en-MY" dirty="0"/>
+              <a:t>Late Acceptance (LAHC)</a:t>
+            </a:r>
           </a:p>
         </p:txBody>
       </p:sp>
@@ -3784,7 +3794,7 @@
           <p:cNvPr id="3" name="Content Placeholder 2">
             <a:extLst>
               <a:ext uri="{FF2B5EF4-FFF2-40B4-BE49-F238E27FC236}">
-                <a16:creationId xmlns:a16="http://schemas.microsoft.com/office/drawing/2014/main" id="{F63131FC-7705-49D0-967F-FCD3ABF86F8F}"/>
+                <a16:creationId xmlns:a16="http://schemas.microsoft.com/office/drawing/2014/main" id="{70D651B4-4430-4A5C-86E1-DAE00AEA263A}"/>
               </a:ext>
             </a:extLst>
           </p:cNvPr>
@@ -3800,16 +3810,221 @@
           <a:bodyPr/>
           <a:lstStyle/>
           <a:p>
-            <a:endParaRPr lang="en-MY"/>
-          </a:p>
-        </p:txBody>
-      </p:sp>
+            <a:r>
+              <a:rPr lang="en-MY" dirty="0"/>
+              <a:t>Late acceptance size 400 is optimal for </a:t>
+            </a:r>
+            <a:r>
+              <a:rPr lang="en-MY" dirty="0" err="1"/>
+              <a:t>optaplanner</a:t>
+            </a:r>
+            <a:r>
+              <a:rPr lang="en-MY" dirty="0"/>
+              <a:t> where it is able to reach maximum score with less time.</a:t>
+            </a:r>
+          </a:p>
+          <a:p>
+            <a:r>
+              <a:rPr lang="en-MY" dirty="0"/>
+              <a:t>Increase acceptance size slow down the convergence speed.</a:t>
+            </a:r>
+          </a:p>
+          <a:p>
+            <a:r>
+              <a:rPr lang="en-MY" dirty="0"/>
+              <a:t>Decrease acceptance size increase the convergence speed but may not be returning the optimal result.</a:t>
+            </a:r>
+          </a:p>
+          <a:p>
+            <a:r>
+              <a:rPr lang="en-MY" dirty="0"/>
+              <a:t>Hence, L=400 is a better choice compared to L=200 and L=600.</a:t>
+            </a:r>
+          </a:p>
+        </p:txBody>
+      </p:sp>
+    </p:spTree>
+    <p:extLst>
+      <p:ext uri="{BB962C8B-B14F-4D97-AF65-F5344CB8AC3E}">
+        <p14:creationId xmlns:p14="http://schemas.microsoft.com/office/powerpoint/2010/main" val="3175304154"/>
+      </p:ext>
+    </p:extLst>
+  </p:cSld>
+  <p:clrMapOvr>
+    <a:masterClrMapping/>
+  </p:clrMapOvr>
+</p:sld>
+</file>
+
+<file path=ppt/slides/slide14.xml><?xml version="1.0" encoding="utf-8"?>
+<p:sld xmlns:a="http://schemas.openxmlformats.org/drawingml/2006/main" xmlns:r="http://schemas.openxmlformats.org/officeDocument/2006/relationships" xmlns:p="http://schemas.openxmlformats.org/presentationml/2006/main">
+  <p:cSld>
+    <p:spTree>
+      <p:nvGrpSpPr>
+        <p:cNvPr id="1" name=""/>
+        <p:cNvGrpSpPr/>
+        <p:nvPr/>
+      </p:nvGrpSpPr>
+      <p:grpSpPr>
+        <a:xfrm>
+          <a:off x="0" y="0"/>
+          <a:ext cx="0" cy="0"/>
+          <a:chOff x="0" y="0"/>
+          <a:chExt cx="0" cy="0"/>
+        </a:xfrm>
+      </p:grpSpPr>
+      <p:sp>
+        <p:nvSpPr>
+          <p:cNvPr id="2" name="Title 1">
+            <a:extLst>
+              <a:ext uri="{FF2B5EF4-FFF2-40B4-BE49-F238E27FC236}">
+                <a16:creationId xmlns:a16="http://schemas.microsoft.com/office/drawing/2014/main" id="{E01CEB2D-08E0-4641-9408-91557C9A7B6D}"/>
+              </a:ext>
+            </a:extLst>
+          </p:cNvPr>
+          <p:cNvSpPr>
+            <a:spLocks noGrp="1"/>
+          </p:cNvSpPr>
+          <p:nvPr>
+            <p:ph type="title"/>
+          </p:nvPr>
+        </p:nvSpPr>
+        <p:spPr/>
+        <p:txBody>
+          <a:bodyPr/>
+          <a:lstStyle/>
+          <a:p>
+            <a:r>
+              <a:rPr lang="en-MY" dirty="0" err="1"/>
+              <a:t>Tabu</a:t>
+            </a:r>
+            <a:r>
+              <a:rPr lang="en-MY" dirty="0"/>
+              <a:t> Search</a:t>
+            </a:r>
+          </a:p>
+        </p:txBody>
+      </p:sp>
+      <p:sp>
+        <p:nvSpPr>
+          <p:cNvPr id="3" name="Content Placeholder 2">
+            <a:extLst>
+              <a:ext uri="{FF2B5EF4-FFF2-40B4-BE49-F238E27FC236}">
+                <a16:creationId xmlns:a16="http://schemas.microsoft.com/office/drawing/2014/main" id="{72B63E5A-A48C-4FC9-AA81-EFF1120C5674}"/>
+              </a:ext>
+            </a:extLst>
+          </p:cNvPr>
+          <p:cNvSpPr>
+            <a:spLocks noGrp="1"/>
+          </p:cNvSpPr>
+          <p:nvPr>
+            <p:ph idx="1"/>
+          </p:nvPr>
+        </p:nvSpPr>
+        <p:spPr/>
+        <p:txBody>
+          <a:bodyPr/>
+          <a:lstStyle/>
+          <a:p>
+            <a:r>
+              <a:rPr lang="en-MY" dirty="0" err="1"/>
+              <a:t>Tabu</a:t>
+            </a:r>
+            <a:r>
+              <a:rPr lang="en-MY" dirty="0"/>
+              <a:t> means “sacred and untouchable” in a native tribe language.</a:t>
+            </a:r>
+          </a:p>
+          <a:p>
+            <a:r>
+              <a:rPr lang="en-MY" dirty="0" err="1"/>
+              <a:t>Tabu</a:t>
+            </a:r>
+            <a:r>
+              <a:rPr lang="en-MY" dirty="0"/>
+              <a:t> search means a local search which do not choose the explored search domain.</a:t>
+            </a:r>
+          </a:p>
+          <a:p>
+            <a:r>
+              <a:rPr lang="en-MY" dirty="0" err="1"/>
+              <a:t>Tabu</a:t>
+            </a:r>
+            <a:r>
+              <a:rPr lang="en-MY" dirty="0"/>
+              <a:t> entity size, T specify the search value  within T step is not to be repeated.</a:t>
+            </a:r>
+          </a:p>
+          <a:p>
+            <a:r>
+              <a:rPr lang="en-MY" dirty="0"/>
+              <a:t>Thus, </a:t>
+            </a:r>
+            <a:r>
+              <a:rPr lang="en-MY" dirty="0" err="1"/>
+              <a:t>tabu</a:t>
+            </a:r>
+            <a:r>
+              <a:rPr lang="en-MY" dirty="0"/>
+              <a:t> search can be used after first fit construction.</a:t>
+            </a:r>
+          </a:p>
+          <a:p>
+            <a:r>
+              <a:rPr lang="en-MY" dirty="0" err="1"/>
+              <a:t>Optaplanner</a:t>
+            </a:r>
+            <a:r>
+              <a:rPr lang="en-MY" dirty="0"/>
+              <a:t> allows T to be altered (as </a:t>
+            </a:r>
+            <a:r>
+              <a:rPr lang="en-MY" dirty="0" err="1"/>
+              <a:t>Tabu</a:t>
+            </a:r>
+            <a:r>
+              <a:rPr lang="en-MY" dirty="0"/>
+              <a:t> entity size).</a:t>
+            </a:r>
+          </a:p>
+        </p:txBody>
+      </p:sp>
+    </p:spTree>
+    <p:extLst>
+      <p:ext uri="{BB962C8B-B14F-4D97-AF65-F5344CB8AC3E}">
+        <p14:creationId xmlns:p14="http://schemas.microsoft.com/office/powerpoint/2010/main" val="4284748176"/>
+      </p:ext>
+    </p:extLst>
+  </p:cSld>
+  <p:clrMapOvr>
+    <a:masterClrMapping/>
+  </p:clrMapOvr>
+</p:sld>
+</file>
+
+<file path=ppt/slides/slide15.xml><?xml version="1.0" encoding="utf-8"?>
+<p:sld xmlns:a="http://schemas.openxmlformats.org/drawingml/2006/main" xmlns:r="http://schemas.openxmlformats.org/officeDocument/2006/relationships" xmlns:p="http://schemas.openxmlformats.org/presentationml/2006/main">
+  <p:cSld>
+    <p:spTree>
+      <p:nvGrpSpPr>
+        <p:cNvPr id="1" name=""/>
+        <p:cNvGrpSpPr/>
+        <p:nvPr/>
+      </p:nvGrpSpPr>
+      <p:grpSpPr>
+        <a:xfrm>
+          <a:off x="0" y="0"/>
+          <a:ext cx="0" cy="0"/>
+          <a:chOff x="0" y="0"/>
+          <a:chExt cx="0" cy="0"/>
+        </a:xfrm>
+      </p:grpSpPr>
       <p:pic>
         <p:nvPicPr>
           <p:cNvPr id="4" name="Picture 3">
             <a:extLst>
               <a:ext uri="{FF2B5EF4-FFF2-40B4-BE49-F238E27FC236}">
-                <a16:creationId xmlns:a16="http://schemas.microsoft.com/office/drawing/2014/main" id="{762D84A4-4FBD-417C-99EC-E4C9F5D97FD7}"/>
+                <a16:creationId xmlns:a16="http://schemas.microsoft.com/office/drawing/2014/main" id="{B2627857-570D-495D-8A5A-A1D8914547E4}"/>
               </a:ext>
             </a:extLst>
           </p:cNvPr>
@@ -3820,23 +4035,499 @@
         </p:nvPicPr>
         <p:blipFill rotWithShape="1">
           <a:blip r:embed="rId2"/>
-          <a:srcRect l="17838" t="23063" r="31690" b="8468"/>
+          <a:srcRect l="18852" t="21261" r="31487" b="9931"/>
           <a:stretch/>
         </p:blipFill>
         <p:spPr>
           <a:xfrm>
-            <a:off x="2287716" y="365125"/>
-            <a:ext cx="7616567" cy="5811838"/>
+            <a:off x="2520779" y="365125"/>
+            <a:ext cx="7722974" cy="6018963"/>
           </a:xfrm>
           <a:prstGeom prst="rect">
             <a:avLst/>
           </a:prstGeom>
         </p:spPr>
       </p:pic>
+      <p:sp>
+        <p:nvSpPr>
+          <p:cNvPr id="6" name="TextBox 5">
+            <a:extLst>
+              <a:ext uri="{FF2B5EF4-FFF2-40B4-BE49-F238E27FC236}">
+                <a16:creationId xmlns:a16="http://schemas.microsoft.com/office/drawing/2014/main" id="{CF8FA866-F50C-4C95-8414-0E5F6EFA6FB5}"/>
+              </a:ext>
+            </a:extLst>
+          </p:cNvPr>
+          <p:cNvSpPr txBox="1"/>
+          <p:nvPr/>
+        </p:nvSpPr>
+        <p:spPr>
+          <a:xfrm>
+            <a:off x="2520779" y="6195859"/>
+            <a:ext cx="7059368" cy="646331"/>
+          </a:xfrm>
+          <a:prstGeom prst="rect">
+            <a:avLst/>
+          </a:prstGeom>
+          <a:noFill/>
+        </p:spPr>
+        <p:txBody>
+          <a:bodyPr wrap="none" rtlCol="0">
+            <a:spAutoFit/>
+          </a:bodyPr>
+          <a:lstStyle/>
+          <a:p>
+            <a:r>
+              <a:rPr lang="en-MY" dirty="0" err="1"/>
+              <a:t>Tabu</a:t>
+            </a:r>
+            <a:r>
+              <a:rPr lang="en-MY" dirty="0"/>
+              <a:t> size of 7 is the most optimal for </a:t>
+            </a:r>
+            <a:r>
+              <a:rPr lang="en-MY" dirty="0" err="1"/>
+              <a:t>Tabu</a:t>
+            </a:r>
+            <a:r>
+              <a:rPr lang="en-MY" dirty="0"/>
+              <a:t> Search. </a:t>
+            </a:r>
+          </a:p>
+          <a:p>
+            <a:r>
+              <a:rPr lang="en-MY" dirty="0"/>
+              <a:t>However, it is still slower than LAHC with L=400 in getting global extrema.</a:t>
+            </a:r>
+          </a:p>
+        </p:txBody>
+      </p:sp>
     </p:spTree>
     <p:extLst>
       <p:ext uri="{BB962C8B-B14F-4D97-AF65-F5344CB8AC3E}">
-        <p14:creationId xmlns:p14="http://schemas.microsoft.com/office/powerpoint/2010/main" val="2732010405"/>
+        <p14:creationId xmlns:p14="http://schemas.microsoft.com/office/powerpoint/2010/main" val="1094533918"/>
+      </p:ext>
+    </p:extLst>
+  </p:cSld>
+  <p:clrMapOvr>
+    <a:masterClrMapping/>
+  </p:clrMapOvr>
+</p:sld>
+</file>
+
+<file path=ppt/slides/slide16.xml><?xml version="1.0" encoding="utf-8"?>
+<p:sld xmlns:a="http://schemas.openxmlformats.org/drawingml/2006/main" xmlns:r="http://schemas.openxmlformats.org/officeDocument/2006/relationships" xmlns:p="http://schemas.openxmlformats.org/presentationml/2006/main">
+  <p:cSld>
+    <p:spTree>
+      <p:nvGrpSpPr>
+        <p:cNvPr id="1" name=""/>
+        <p:cNvGrpSpPr/>
+        <p:nvPr/>
+      </p:nvGrpSpPr>
+      <p:grpSpPr>
+        <a:xfrm>
+          <a:off x="0" y="0"/>
+          <a:ext cx="0" cy="0"/>
+          <a:chOff x="0" y="0"/>
+          <a:chExt cx="0" cy="0"/>
+        </a:xfrm>
+      </p:grpSpPr>
+      <p:sp>
+        <p:nvSpPr>
+          <p:cNvPr id="2" name="Title 1">
+            <a:extLst>
+              <a:ext uri="{FF2B5EF4-FFF2-40B4-BE49-F238E27FC236}">
+                <a16:creationId xmlns:a16="http://schemas.microsoft.com/office/drawing/2014/main" id="{E01CEB2D-08E0-4641-9408-91557C9A7B6D}"/>
+              </a:ext>
+            </a:extLst>
+          </p:cNvPr>
+          <p:cNvSpPr>
+            <a:spLocks noGrp="1"/>
+          </p:cNvSpPr>
+          <p:nvPr>
+            <p:ph type="title"/>
+          </p:nvPr>
+        </p:nvSpPr>
+        <p:spPr/>
+        <p:txBody>
+          <a:bodyPr/>
+          <a:lstStyle/>
+          <a:p>
+            <a:r>
+              <a:rPr lang="en-MY" dirty="0" err="1"/>
+              <a:t>Tabu</a:t>
+            </a:r>
+            <a:r>
+              <a:rPr lang="en-MY" dirty="0"/>
+              <a:t> Search</a:t>
+            </a:r>
+          </a:p>
+        </p:txBody>
+      </p:sp>
+      <p:sp>
+        <p:nvSpPr>
+          <p:cNvPr id="3" name="Content Placeholder 2">
+            <a:extLst>
+              <a:ext uri="{FF2B5EF4-FFF2-40B4-BE49-F238E27FC236}">
+                <a16:creationId xmlns:a16="http://schemas.microsoft.com/office/drawing/2014/main" id="{72B63E5A-A48C-4FC9-AA81-EFF1120C5674}"/>
+              </a:ext>
+            </a:extLst>
+          </p:cNvPr>
+          <p:cNvSpPr>
+            <a:spLocks noGrp="1"/>
+          </p:cNvSpPr>
+          <p:nvPr>
+            <p:ph idx="1"/>
+          </p:nvPr>
+        </p:nvSpPr>
+        <p:spPr/>
+        <p:txBody>
+          <a:bodyPr/>
+          <a:lstStyle/>
+          <a:p>
+            <a:r>
+              <a:rPr lang="en-MY" dirty="0"/>
+              <a:t>T is found to be optimized as 7 (as compared with T=6,5,8,9) in the problem domain. Increasing T may unnecessarily restrict the value to be repeated while decreasing T may ended with extra searching while not finding the way to get out of local extrema.</a:t>
+            </a:r>
+          </a:p>
+          <a:p>
+            <a:r>
+              <a:rPr lang="en-MY" dirty="0"/>
+              <a:t>Compare with local acceptance with 400 as acceptance size, </a:t>
+            </a:r>
+            <a:r>
+              <a:rPr lang="en-MY" dirty="0" err="1"/>
+              <a:t>Tabu</a:t>
+            </a:r>
+            <a:r>
+              <a:rPr lang="en-MY" dirty="0"/>
+              <a:t> search with </a:t>
+            </a:r>
+            <a:r>
+              <a:rPr lang="en-MY" dirty="0" err="1"/>
+              <a:t>Tabu</a:t>
+            </a:r>
+            <a:r>
+              <a:rPr lang="en-MY" dirty="0"/>
+              <a:t> size of 7 may be effective in earlier stage but it may not getting into global maxima faster than LAHC.</a:t>
+            </a:r>
+          </a:p>
+          <a:p>
+            <a:r>
+              <a:rPr lang="en-MY" dirty="0"/>
+              <a:t>Hence, LAHC with late acceptance size of 400 is still preferable.</a:t>
+            </a:r>
+          </a:p>
+        </p:txBody>
+      </p:sp>
+    </p:spTree>
+    <p:extLst>
+      <p:ext uri="{BB962C8B-B14F-4D97-AF65-F5344CB8AC3E}">
+        <p14:creationId xmlns:p14="http://schemas.microsoft.com/office/powerpoint/2010/main" val="3319708155"/>
+      </p:ext>
+    </p:extLst>
+  </p:cSld>
+  <p:clrMapOvr>
+    <a:masterClrMapping/>
+  </p:clrMapOvr>
+</p:sld>
+</file>
+
+<file path=ppt/slides/slide17.xml><?xml version="1.0" encoding="utf-8"?>
+<p:sld xmlns:a="http://schemas.openxmlformats.org/drawingml/2006/main" xmlns:r="http://schemas.openxmlformats.org/officeDocument/2006/relationships" xmlns:p="http://schemas.openxmlformats.org/presentationml/2006/main">
+  <p:cSld>
+    <p:spTree>
+      <p:nvGrpSpPr>
+        <p:cNvPr id="1" name=""/>
+        <p:cNvGrpSpPr/>
+        <p:nvPr/>
+      </p:nvGrpSpPr>
+      <p:grpSpPr>
+        <a:xfrm>
+          <a:off x="0" y="0"/>
+          <a:ext cx="0" cy="0"/>
+          <a:chOff x="0" y="0"/>
+          <a:chExt cx="0" cy="0"/>
+        </a:xfrm>
+      </p:grpSpPr>
+      <p:sp>
+        <p:nvSpPr>
+          <p:cNvPr id="2" name="Title 1">
+            <a:extLst>
+              <a:ext uri="{FF2B5EF4-FFF2-40B4-BE49-F238E27FC236}">
+                <a16:creationId xmlns:a16="http://schemas.microsoft.com/office/drawing/2014/main" id="{D84DCBCA-63FD-4161-8B78-9962FD6B260D}"/>
+              </a:ext>
+            </a:extLst>
+          </p:cNvPr>
+          <p:cNvSpPr>
+            <a:spLocks noGrp="1"/>
+          </p:cNvSpPr>
+          <p:nvPr>
+            <p:ph type="title"/>
+          </p:nvPr>
+        </p:nvSpPr>
+        <p:spPr/>
+        <p:txBody>
+          <a:bodyPr/>
+          <a:lstStyle/>
+          <a:p>
+            <a:r>
+              <a:rPr lang="en-MY" dirty="0"/>
+              <a:t>Simulated Annealing</a:t>
+            </a:r>
+          </a:p>
+        </p:txBody>
+      </p:sp>
+      <p:sp>
+        <p:nvSpPr>
+          <p:cNvPr id="3" name="Content Placeholder 2">
+            <a:extLst>
+              <a:ext uri="{FF2B5EF4-FFF2-40B4-BE49-F238E27FC236}">
+                <a16:creationId xmlns:a16="http://schemas.microsoft.com/office/drawing/2014/main" id="{04F6321B-9093-47F6-B9A6-1B76FEE751DB}"/>
+              </a:ext>
+            </a:extLst>
+          </p:cNvPr>
+          <p:cNvSpPr>
+            <a:spLocks noGrp="1"/>
+          </p:cNvSpPr>
+          <p:nvPr>
+            <p:ph idx="1"/>
+          </p:nvPr>
+        </p:nvSpPr>
+        <p:spPr/>
+        <p:txBody>
+          <a:bodyPr/>
+          <a:lstStyle/>
+          <a:p>
+            <a:r>
+              <a:rPr lang="en-MY" dirty="0"/>
+              <a:t>Simulated annealing is derived from the annealing process in forging process. Temperature function decides where the next search to go.</a:t>
+            </a:r>
+          </a:p>
+          <a:p>
+            <a:r>
+              <a:rPr lang="en-MY" dirty="0" err="1"/>
+              <a:t>Optaplanner</a:t>
+            </a:r>
+            <a:r>
+              <a:rPr lang="en-MY" dirty="0"/>
+              <a:t> allows simulated annealing to be performed after a certain value of hard/soft score.</a:t>
+            </a:r>
+          </a:p>
+          <a:p>
+            <a:r>
+              <a:rPr lang="en-MY" dirty="0"/>
+              <a:t>In our problem domain, simulated annealing is converging slower than the LAHC with L=400.</a:t>
+            </a:r>
+          </a:p>
+        </p:txBody>
+      </p:sp>
+    </p:spTree>
+    <p:extLst>
+      <p:ext uri="{BB962C8B-B14F-4D97-AF65-F5344CB8AC3E}">
+        <p14:creationId xmlns:p14="http://schemas.microsoft.com/office/powerpoint/2010/main" val="2363051427"/>
+      </p:ext>
+    </p:extLst>
+  </p:cSld>
+  <p:clrMapOvr>
+    <a:masterClrMapping/>
+  </p:clrMapOvr>
+</p:sld>
+</file>
+
+<file path=ppt/slides/slide18.xml><?xml version="1.0" encoding="utf-8"?>
+<p:sld xmlns:a="http://schemas.openxmlformats.org/drawingml/2006/main" xmlns:r="http://schemas.openxmlformats.org/officeDocument/2006/relationships" xmlns:p="http://schemas.openxmlformats.org/presentationml/2006/main">
+  <p:cSld>
+    <p:spTree>
+      <p:nvGrpSpPr>
+        <p:cNvPr id="1" name=""/>
+        <p:cNvGrpSpPr/>
+        <p:nvPr/>
+      </p:nvGrpSpPr>
+      <p:grpSpPr>
+        <a:xfrm>
+          <a:off x="0" y="0"/>
+          <a:ext cx="0" cy="0"/>
+          <a:chOff x="0" y="0"/>
+          <a:chExt cx="0" cy="0"/>
+        </a:xfrm>
+      </p:grpSpPr>
+      <p:pic>
+        <p:nvPicPr>
+          <p:cNvPr id="4" name="Picture 3">
+            <a:extLst>
+              <a:ext uri="{FF2B5EF4-FFF2-40B4-BE49-F238E27FC236}">
+                <a16:creationId xmlns:a16="http://schemas.microsoft.com/office/drawing/2014/main" id="{D7E48FAB-AB2A-4414-89AA-3FA55372BA8C}"/>
+              </a:ext>
+            </a:extLst>
+          </p:cNvPr>
+          <p:cNvPicPr>
+            <a:picLocks noChangeAspect="1"/>
+          </p:cNvPicPr>
+          <p:nvPr/>
+        </p:nvPicPr>
+        <p:blipFill rotWithShape="1">
+          <a:blip r:embed="rId2"/>
+          <a:srcRect l="17939" t="17477" r="31689" b="15316"/>
+          <a:stretch/>
+        </p:blipFill>
+        <p:spPr>
+          <a:xfrm>
+            <a:off x="2187146" y="365125"/>
+            <a:ext cx="7549978" cy="5666282"/>
+          </a:xfrm>
+          <a:prstGeom prst="rect">
+            <a:avLst/>
+          </a:prstGeom>
+        </p:spPr>
+      </p:pic>
+      <p:sp>
+        <p:nvSpPr>
+          <p:cNvPr id="5" name="TextBox 4">
+            <a:extLst>
+              <a:ext uri="{FF2B5EF4-FFF2-40B4-BE49-F238E27FC236}">
+                <a16:creationId xmlns:a16="http://schemas.microsoft.com/office/drawing/2014/main" id="{02F43E55-EB69-42FA-9927-7E609F9C9520}"/>
+              </a:ext>
+            </a:extLst>
+          </p:cNvPr>
+          <p:cNvSpPr txBox="1"/>
+          <p:nvPr/>
+        </p:nvSpPr>
+        <p:spPr>
+          <a:xfrm>
+            <a:off x="1670750" y="5988734"/>
+            <a:ext cx="8850500" cy="646331"/>
+          </a:xfrm>
+          <a:prstGeom prst="rect">
+            <a:avLst/>
+          </a:prstGeom>
+          <a:noFill/>
+        </p:spPr>
+        <p:txBody>
+          <a:bodyPr wrap="none" rtlCol="0">
+            <a:spAutoFit/>
+          </a:bodyPr>
+          <a:lstStyle/>
+          <a:p>
+            <a:r>
+              <a:rPr lang="en-MY" dirty="0"/>
+              <a:t>In our problem domain, simulated annealing is converging slower than the LAHC with L=400.</a:t>
+            </a:r>
+          </a:p>
+          <a:p>
+            <a:endParaRPr lang="en-MY" dirty="0"/>
+          </a:p>
+        </p:txBody>
+      </p:sp>
+    </p:spTree>
+    <p:extLst>
+      <p:ext uri="{BB962C8B-B14F-4D97-AF65-F5344CB8AC3E}">
+        <p14:creationId xmlns:p14="http://schemas.microsoft.com/office/powerpoint/2010/main" val="2335871706"/>
+      </p:ext>
+    </p:extLst>
+  </p:cSld>
+  <p:clrMapOvr>
+    <a:masterClrMapping/>
+  </p:clrMapOvr>
+</p:sld>
+</file>
+
+<file path=ppt/slides/slide19.xml><?xml version="1.0" encoding="utf-8"?>
+<p:sld xmlns:a="http://schemas.openxmlformats.org/drawingml/2006/main" xmlns:r="http://schemas.openxmlformats.org/officeDocument/2006/relationships" xmlns:p="http://schemas.openxmlformats.org/presentationml/2006/main">
+  <p:cSld>
+    <p:spTree>
+      <p:nvGrpSpPr>
+        <p:cNvPr id="1" name=""/>
+        <p:cNvGrpSpPr/>
+        <p:nvPr/>
+      </p:nvGrpSpPr>
+      <p:grpSpPr>
+        <a:xfrm>
+          <a:off x="0" y="0"/>
+          <a:ext cx="0" cy="0"/>
+          <a:chOff x="0" y="0"/>
+          <a:chExt cx="0" cy="0"/>
+        </a:xfrm>
+      </p:grpSpPr>
+      <p:sp>
+        <p:nvSpPr>
+          <p:cNvPr id="2" name="Title 1">
+            <a:extLst>
+              <a:ext uri="{FF2B5EF4-FFF2-40B4-BE49-F238E27FC236}">
+                <a16:creationId xmlns:a16="http://schemas.microsoft.com/office/drawing/2014/main" id="{DC8242C9-62CE-4F60-8BBC-8AA0721675AD}"/>
+              </a:ext>
+            </a:extLst>
+          </p:cNvPr>
+          <p:cNvSpPr>
+            <a:spLocks noGrp="1"/>
+          </p:cNvSpPr>
+          <p:nvPr>
+            <p:ph type="title"/>
+          </p:nvPr>
+        </p:nvSpPr>
+        <p:spPr/>
+        <p:txBody>
+          <a:bodyPr/>
+          <a:lstStyle/>
+          <a:p>
+            <a:r>
+              <a:rPr lang="en-MY" dirty="0"/>
+              <a:t>Harder Scenario</a:t>
+            </a:r>
+          </a:p>
+        </p:txBody>
+      </p:sp>
+      <p:sp>
+        <p:nvSpPr>
+          <p:cNvPr id="3" name="Content Placeholder 2">
+            <a:extLst>
+              <a:ext uri="{FF2B5EF4-FFF2-40B4-BE49-F238E27FC236}">
+                <a16:creationId xmlns:a16="http://schemas.microsoft.com/office/drawing/2014/main" id="{6AF522DE-ADBA-4F48-9EFD-0E4A38C055DD}"/>
+              </a:ext>
+            </a:extLst>
+          </p:cNvPr>
+          <p:cNvSpPr>
+            <a:spLocks noGrp="1"/>
+          </p:cNvSpPr>
+          <p:nvPr>
+            <p:ph idx="1"/>
+          </p:nvPr>
+        </p:nvSpPr>
+        <p:spPr/>
+        <p:txBody>
+          <a:bodyPr/>
+          <a:lstStyle/>
+          <a:p>
+            <a:r>
+              <a:rPr lang="en-MY" dirty="0"/>
+              <a:t>In scenario where Tamil speaking practitioners are not available, the search may requires a longer time. </a:t>
+            </a:r>
+          </a:p>
+          <a:p>
+            <a:r>
+              <a:rPr lang="en-MY" dirty="0"/>
+              <a:t>Few type of local search are compared again.</a:t>
+            </a:r>
+          </a:p>
+          <a:p>
+            <a:r>
+              <a:rPr lang="en-MY" dirty="0"/>
+              <a:t>However, LAHC is again giving the maximum count with less time despite the </a:t>
+            </a:r>
+            <a:r>
+              <a:rPr lang="en-MY" dirty="0" err="1"/>
+              <a:t>tabu</a:t>
+            </a:r>
+            <a:r>
+              <a:rPr lang="en-MY" dirty="0"/>
+              <a:t> search is still giving a higher score at the beginning.</a:t>
+            </a:r>
+          </a:p>
+        </p:txBody>
+      </p:sp>
+    </p:spTree>
+    <p:extLst>
+      <p:ext uri="{BB962C8B-B14F-4D97-AF65-F5344CB8AC3E}">
+        <p14:creationId xmlns:p14="http://schemas.microsoft.com/office/powerpoint/2010/main" val="1139140697"/>
       </p:ext>
     </p:extLst>
   </p:cSld>
@@ -3868,7 +4559,7 @@
           <p:cNvPr id="2" name="Title 1">
             <a:extLst>
               <a:ext uri="{FF2B5EF4-FFF2-40B4-BE49-F238E27FC236}">
-                <a16:creationId xmlns:a16="http://schemas.microsoft.com/office/drawing/2014/main" id="{D981DF60-DE45-41E7-9BE8-EC9F85EDCAE6}"/>
+                <a16:creationId xmlns:a16="http://schemas.microsoft.com/office/drawing/2014/main" id="{071CE3BF-A84F-439C-9C68-95C077C60F5D}"/>
               </a:ext>
             </a:extLst>
           </p:cNvPr>
@@ -3886,7 +4577,7 @@
           <a:p>
             <a:r>
               <a:rPr lang="en-MY" dirty="0"/>
-              <a:t>Simulation comparison</a:t>
+              <a:t>Hard Constraint and Hard Score Rules</a:t>
             </a:r>
           </a:p>
         </p:txBody>
@@ -3896,7 +4587,7 @@
           <p:cNvPr id="3" name="Content Placeholder 2">
             <a:extLst>
               <a:ext uri="{FF2B5EF4-FFF2-40B4-BE49-F238E27FC236}">
-                <a16:creationId xmlns:a16="http://schemas.microsoft.com/office/drawing/2014/main" id="{A9474B8A-FA1E-4E0E-AB30-AB1B55D0A2AC}"/>
+                <a16:creationId xmlns:a16="http://schemas.microsoft.com/office/drawing/2014/main" id="{0C9E73EB-1CDA-48CC-B870-42CEBEC27FD8}"/>
               </a:ext>
             </a:extLst>
           </p:cNvPr>
@@ -3914,32 +4605,223 @@
           <a:p>
             <a:r>
               <a:rPr lang="en-MY" dirty="0"/>
-              <a:t>The local search type is chosen based on simulations.</a:t>
-            </a:r>
-          </a:p>
-          <a:p>
-            <a:r>
-              <a:rPr lang="en-MY" dirty="0"/>
-              <a:t>A typical search space involves enough practitioner for patients.</a:t>
-            </a:r>
-          </a:p>
-          <a:p>
-            <a:r>
-              <a:rPr lang="en-MY" dirty="0"/>
-              <a:t>All the search are based on first fit increasing method. Then the local search </a:t>
-            </a:r>
-            <a:r>
-              <a:rPr lang="en-MY"/>
-              <a:t>is performed.</a:t>
-            </a:r>
+              <a:t>PHQ score is the hard constraint. Hence, the rule will increase the hard score using PHQ-9 value.</a:t>
+            </a:r>
+          </a:p>
+          <a:p>
             <a:endParaRPr lang="en-MY" dirty="0"/>
           </a:p>
-        </p:txBody>
-      </p:sp>
+          <a:p>
+            <a:endParaRPr lang="en-MY" dirty="0"/>
+          </a:p>
+          <a:p>
+            <a:endParaRPr lang="en-MY" dirty="0"/>
+          </a:p>
+          <a:p>
+            <a:r>
+              <a:rPr lang="en-MY" dirty="0"/>
+              <a:t>On the other hand, 1 practitioner is only to engage 1 patient at 1 time slot.</a:t>
+            </a:r>
+          </a:p>
+          <a:p>
+            <a:pPr marL="0" indent="0">
+              <a:buNone/>
+            </a:pPr>
+            <a:endParaRPr lang="en-MY" dirty="0"/>
+          </a:p>
+        </p:txBody>
+      </p:sp>
+      <p:pic>
+        <p:nvPicPr>
+          <p:cNvPr id="5" name="Picture 4">
+            <a:extLst>
+              <a:ext uri="{FF2B5EF4-FFF2-40B4-BE49-F238E27FC236}">
+                <a16:creationId xmlns:a16="http://schemas.microsoft.com/office/drawing/2014/main" id="{654942B8-B9D9-4E93-91C3-9F190EE412A8}"/>
+              </a:ext>
+            </a:extLst>
+          </p:cNvPr>
+          <p:cNvPicPr>
+            <a:picLocks noChangeAspect="1"/>
+          </p:cNvPicPr>
+          <p:nvPr/>
+        </p:nvPicPr>
+        <p:blipFill>
+          <a:blip r:embed="rId2"/>
+          <a:stretch>
+            <a:fillRect/>
+          </a:stretch>
+        </p:blipFill>
+        <p:spPr>
+          <a:xfrm>
+            <a:off x="381000" y="2819400"/>
+            <a:ext cx="11430000" cy="1219200"/>
+          </a:xfrm>
+          <a:prstGeom prst="rect">
+            <a:avLst/>
+          </a:prstGeom>
+        </p:spPr>
+      </p:pic>
+      <p:pic>
+        <p:nvPicPr>
+          <p:cNvPr id="7" name="Picture 6">
+            <a:extLst>
+              <a:ext uri="{FF2B5EF4-FFF2-40B4-BE49-F238E27FC236}">
+                <a16:creationId xmlns:a16="http://schemas.microsoft.com/office/drawing/2014/main" id="{373D124A-FFD5-422E-A13B-57FC7CE8CE71}"/>
+              </a:ext>
+            </a:extLst>
+          </p:cNvPr>
+          <p:cNvPicPr>
+            <a:picLocks noChangeAspect="1"/>
+          </p:cNvPicPr>
+          <p:nvPr/>
+        </p:nvPicPr>
+        <p:blipFill>
+          <a:blip r:embed="rId3"/>
+          <a:stretch>
+            <a:fillRect/>
+          </a:stretch>
+        </p:blipFill>
+        <p:spPr>
+          <a:xfrm>
+            <a:off x="0" y="5139346"/>
+            <a:ext cx="12192000" cy="1404532"/>
+          </a:xfrm>
+          <a:prstGeom prst="rect">
+            <a:avLst/>
+          </a:prstGeom>
+        </p:spPr>
+      </p:pic>
     </p:spTree>
     <p:extLst>
       <p:ext uri="{BB962C8B-B14F-4D97-AF65-F5344CB8AC3E}">
-        <p14:creationId xmlns:p14="http://schemas.microsoft.com/office/powerpoint/2010/main" val="1982970861"/>
+        <p14:creationId xmlns:p14="http://schemas.microsoft.com/office/powerpoint/2010/main" val="1283505081"/>
+      </p:ext>
+    </p:extLst>
+  </p:cSld>
+  <p:clrMapOvr>
+    <a:masterClrMapping/>
+  </p:clrMapOvr>
+</p:sld>
+</file>
+
+<file path=ppt/slides/slide20.xml><?xml version="1.0" encoding="utf-8"?>
+<p:sld xmlns:a="http://schemas.openxmlformats.org/drawingml/2006/main" xmlns:r="http://schemas.openxmlformats.org/officeDocument/2006/relationships" xmlns:p="http://schemas.openxmlformats.org/presentationml/2006/main">
+  <p:cSld>
+    <p:spTree>
+      <p:nvGrpSpPr>
+        <p:cNvPr id="1" name=""/>
+        <p:cNvGrpSpPr/>
+        <p:nvPr/>
+      </p:nvGrpSpPr>
+      <p:grpSpPr>
+        <a:xfrm>
+          <a:off x="0" y="0"/>
+          <a:ext cx="0" cy="0"/>
+          <a:chOff x="0" y="0"/>
+          <a:chExt cx="0" cy="0"/>
+        </a:xfrm>
+      </p:grpSpPr>
+      <p:sp>
+        <p:nvSpPr>
+          <p:cNvPr id="2" name="Title 1">
+            <a:extLst>
+              <a:ext uri="{FF2B5EF4-FFF2-40B4-BE49-F238E27FC236}">
+                <a16:creationId xmlns:a16="http://schemas.microsoft.com/office/drawing/2014/main" id="{1208440F-636A-446E-A992-EE5F8EDFDC68}"/>
+              </a:ext>
+            </a:extLst>
+          </p:cNvPr>
+          <p:cNvSpPr>
+            <a:spLocks noGrp="1"/>
+          </p:cNvSpPr>
+          <p:nvPr>
+            <p:ph type="title"/>
+          </p:nvPr>
+        </p:nvSpPr>
+        <p:spPr/>
+        <p:txBody>
+          <a:bodyPr/>
+          <a:lstStyle/>
+          <a:p>
+            <a:endParaRPr lang="en-MY"/>
+          </a:p>
+        </p:txBody>
+      </p:sp>
+      <p:pic>
+        <p:nvPicPr>
+          <p:cNvPr id="4" name="Picture 3">
+            <a:extLst>
+              <a:ext uri="{FF2B5EF4-FFF2-40B4-BE49-F238E27FC236}">
+                <a16:creationId xmlns:a16="http://schemas.microsoft.com/office/drawing/2014/main" id="{762D84A4-4FBD-417C-99EC-E4C9F5D97FD7}"/>
+              </a:ext>
+            </a:extLst>
+          </p:cNvPr>
+          <p:cNvPicPr>
+            <a:picLocks noChangeAspect="1"/>
+          </p:cNvPicPr>
+          <p:nvPr/>
+        </p:nvPicPr>
+        <p:blipFill rotWithShape="1">
+          <a:blip r:embed="rId2"/>
+          <a:srcRect l="17838" t="23063" r="31690" b="8468"/>
+          <a:stretch/>
+        </p:blipFill>
+        <p:spPr>
+          <a:xfrm>
+            <a:off x="2287716" y="365125"/>
+            <a:ext cx="7616567" cy="5811838"/>
+          </a:xfrm>
+          <a:prstGeom prst="rect">
+            <a:avLst/>
+          </a:prstGeom>
+        </p:spPr>
+      </p:pic>
+      <p:sp>
+        <p:nvSpPr>
+          <p:cNvPr id="5" name="TextBox 4">
+            <a:extLst>
+              <a:ext uri="{FF2B5EF4-FFF2-40B4-BE49-F238E27FC236}">
+                <a16:creationId xmlns:a16="http://schemas.microsoft.com/office/drawing/2014/main" id="{648A2D05-46C6-432F-96EB-018AE94ACBC7}"/>
+              </a:ext>
+            </a:extLst>
+          </p:cNvPr>
+          <p:cNvSpPr txBox="1"/>
+          <p:nvPr/>
+        </p:nvSpPr>
+        <p:spPr>
+          <a:xfrm>
+            <a:off x="236029" y="6176963"/>
+            <a:ext cx="11719940" cy="369332"/>
+          </a:xfrm>
+          <a:prstGeom prst="rect">
+            <a:avLst/>
+          </a:prstGeom>
+          <a:noFill/>
+        </p:spPr>
+        <p:txBody>
+          <a:bodyPr wrap="none" rtlCol="0">
+            <a:spAutoFit/>
+          </a:bodyPr>
+          <a:lstStyle/>
+          <a:p>
+            <a:r>
+              <a:rPr lang="en-MY" dirty="0"/>
+              <a:t>LAHC is again giving the maximum count with less time despite the </a:t>
+            </a:r>
+            <a:r>
+              <a:rPr lang="en-MY" dirty="0" err="1"/>
+              <a:t>tabu</a:t>
+            </a:r>
+            <a:r>
+              <a:rPr lang="en-MY" dirty="0"/>
+              <a:t> search is still giving a higher score at the beginning</a:t>
+            </a:r>
+          </a:p>
+        </p:txBody>
+      </p:sp>
+    </p:spTree>
+    <p:extLst>
+      <p:ext uri="{BB962C8B-B14F-4D97-AF65-F5344CB8AC3E}">
+        <p14:creationId xmlns:p14="http://schemas.microsoft.com/office/powerpoint/2010/main" val="2732010405"/>
       </p:ext>
     </p:extLst>
   </p:cSld>
@@ -3971,7 +4853,7 @@
           <p:cNvPr id="2" name="Title 1">
             <a:extLst>
               <a:ext uri="{FF2B5EF4-FFF2-40B4-BE49-F238E27FC236}">
-                <a16:creationId xmlns:a16="http://schemas.microsoft.com/office/drawing/2014/main" id="{B90AE32D-ADFF-4A18-8341-2C7CBB0CE6EF}"/>
+                <a16:creationId xmlns:a16="http://schemas.microsoft.com/office/drawing/2014/main" id="{071CE3BF-A84F-439C-9C68-95C077C60F5D}"/>
               </a:ext>
             </a:extLst>
           </p:cNvPr>
@@ -3989,7 +4871,7 @@
           <a:p>
             <a:r>
               <a:rPr lang="en-MY" dirty="0"/>
-              <a:t>Late Acceptance (LAHC)</a:t>
+              <a:t>Hard Constraint and Hard Score Rules</a:t>
             </a:r>
           </a:p>
         </p:txBody>
@@ -3999,7 +4881,7 @@
           <p:cNvPr id="3" name="Content Placeholder 2">
             <a:extLst>
               <a:ext uri="{FF2B5EF4-FFF2-40B4-BE49-F238E27FC236}">
-                <a16:creationId xmlns:a16="http://schemas.microsoft.com/office/drawing/2014/main" id="{48661199-065B-4F6F-AFDA-3E245D12C904}"/>
+                <a16:creationId xmlns:a16="http://schemas.microsoft.com/office/drawing/2014/main" id="{0C9E73EB-1CDA-48CC-B870-42CEBEC27FD8}"/>
               </a:ext>
             </a:extLst>
           </p:cNvPr>
@@ -4017,44 +4899,51 @@
           <a:p>
             <a:r>
               <a:rPr lang="en-MY" dirty="0"/>
-              <a:t>LAHC is a hill climbing method but allow weaker solution to be chosen with criteria. Late acceptance means a solution S’ is accepted if its fitness is still larger than the fitness in L step earlier.</a:t>
-            </a:r>
-          </a:p>
-          <a:p>
-            <a:r>
-              <a:rPr lang="en-MY" dirty="0" err="1"/>
-              <a:t>Optaplanner</a:t>
-            </a:r>
-            <a:r>
-              <a:rPr lang="en-MY" dirty="0"/>
-              <a:t> provide option to tweak the late acceptance L parameter. In </a:t>
-            </a:r>
-            <a:r>
-              <a:rPr lang="en-MY" dirty="0" err="1"/>
-              <a:t>Optaplanner</a:t>
-            </a:r>
-            <a:r>
-              <a:rPr lang="en-MY" dirty="0"/>
-              <a:t>, L step size is defined as late acceptance size. (note that the KIE </a:t>
-            </a:r>
-            <a:r>
-              <a:rPr lang="en-MY" dirty="0" err="1"/>
-              <a:t>optaplanner</a:t>
-            </a:r>
-            <a:r>
-              <a:rPr lang="en-MY" dirty="0"/>
-              <a:t> workbench may not allow the tweaking)</a:t>
-            </a:r>
-          </a:p>
-          <a:p>
+              <a:t>Language is another hard constraint. When a patient has a requirement on communication language, it should be fulfil. Hence, whenever patient’s language is not matching practitioner’s language, the hard score will be deducted.</a:t>
+            </a:r>
+          </a:p>
+          <a:p>
+            <a:pPr marL="0" indent="0">
+              <a:buNone/>
+            </a:pPr>
             <a:endParaRPr lang="en-MY" dirty="0"/>
           </a:p>
         </p:txBody>
       </p:sp>
+      <p:pic>
+        <p:nvPicPr>
+          <p:cNvPr id="4" name="Picture 3">
+            <a:extLst>
+              <a:ext uri="{FF2B5EF4-FFF2-40B4-BE49-F238E27FC236}">
+                <a16:creationId xmlns:a16="http://schemas.microsoft.com/office/drawing/2014/main" id="{D454A845-6913-46C2-9145-D15C0B12CD4E}"/>
+              </a:ext>
+            </a:extLst>
+          </p:cNvPr>
+          <p:cNvPicPr>
+            <a:picLocks noChangeAspect="1"/>
+          </p:cNvPicPr>
+          <p:nvPr/>
+        </p:nvPicPr>
+        <p:blipFill>
+          <a:blip r:embed="rId2"/>
+          <a:stretch>
+            <a:fillRect/>
+          </a:stretch>
+        </p:blipFill>
+        <p:spPr>
+          <a:xfrm>
+            <a:off x="2462212" y="3654425"/>
+            <a:ext cx="7496175" cy="1790700"/>
+          </a:xfrm>
+          <a:prstGeom prst="rect">
+            <a:avLst/>
+          </a:prstGeom>
+        </p:spPr>
+      </p:pic>
     </p:spTree>
     <p:extLst>
       <p:ext uri="{BB962C8B-B14F-4D97-AF65-F5344CB8AC3E}">
-        <p14:creationId xmlns:p14="http://schemas.microsoft.com/office/powerpoint/2010/main" val="3763880948"/>
+        <p14:creationId xmlns:p14="http://schemas.microsoft.com/office/powerpoint/2010/main" val="1005245085"/>
       </p:ext>
     </p:extLst>
   </p:cSld>
@@ -4086,7 +4975,7 @@
           <p:cNvPr id="2" name="Title 1">
             <a:extLst>
               <a:ext uri="{FF2B5EF4-FFF2-40B4-BE49-F238E27FC236}">
-                <a16:creationId xmlns:a16="http://schemas.microsoft.com/office/drawing/2014/main" id="{D847B299-AF9B-4EA3-9C14-AE9F2BF7D757}"/>
+                <a16:creationId xmlns:a16="http://schemas.microsoft.com/office/drawing/2014/main" id="{071CE3BF-A84F-439C-9C68-95C077C60F5D}"/>
               </a:ext>
             </a:extLst>
           </p:cNvPr>
@@ -4102,7 +4991,10 @@
           <a:bodyPr/>
           <a:lstStyle/>
           <a:p>
-            <a:endParaRPr lang="en-MY"/>
+            <a:r>
+              <a:rPr lang="en-MY" dirty="0"/>
+              <a:t>Hard Constraint and Hard Score Rules</a:t>
+            </a:r>
           </a:p>
         </p:txBody>
       </p:sp>
@@ -4111,7 +5003,7 @@
           <p:cNvPr id="3" name="Content Placeholder 2">
             <a:extLst>
               <a:ext uri="{FF2B5EF4-FFF2-40B4-BE49-F238E27FC236}">
-                <a16:creationId xmlns:a16="http://schemas.microsoft.com/office/drawing/2014/main" id="{2E418EF0-67AE-498B-8B80-C55790989011}"/>
+                <a16:creationId xmlns:a16="http://schemas.microsoft.com/office/drawing/2014/main" id="{0C9E73EB-1CDA-48CC-B870-42CEBEC27FD8}"/>
               </a:ext>
             </a:extLst>
           </p:cNvPr>
@@ -4126,6 +5018,18 @@
         <p:txBody>
           <a:bodyPr/>
           <a:lstStyle/>
+          <a:p>
+            <a:r>
+              <a:rPr lang="en-MY" dirty="0"/>
+              <a:t>Different patient requires different type of practitioner. </a:t>
+            </a:r>
+          </a:p>
+          <a:p>
+            <a:r>
+              <a:rPr lang="en-MY" dirty="0"/>
+              <a:t>Hence, hard score will be deducted if the practitioner type is not matching patient’s requirement.</a:t>
+            </a:r>
+          </a:p>
           <a:p>
             <a:endParaRPr lang="en-MY" dirty="0"/>
           </a:p>
@@ -4133,10 +5037,10 @@
       </p:sp>
       <p:pic>
         <p:nvPicPr>
-          <p:cNvPr id="5" name="Picture 4">
-            <a:extLst>
-              <a:ext uri="{FF2B5EF4-FFF2-40B4-BE49-F238E27FC236}">
-                <a16:creationId xmlns:a16="http://schemas.microsoft.com/office/drawing/2014/main" id="{B7989CFE-9EC6-4C31-855C-18941C6EA750}"/>
+          <p:cNvPr id="4" name="Picture 3">
+            <a:extLst>
+              <a:ext uri="{FF2B5EF4-FFF2-40B4-BE49-F238E27FC236}">
+                <a16:creationId xmlns:a16="http://schemas.microsoft.com/office/drawing/2014/main" id="{2FC85B0B-E7E6-4130-A7B7-05BB1A2270A4}"/>
               </a:ext>
             </a:extLst>
           </p:cNvPr>
@@ -4145,15 +5049,16 @@
           </p:cNvPicPr>
           <p:nvPr/>
         </p:nvPicPr>
-        <p:blipFill rotWithShape="1">
+        <p:blipFill>
           <a:blip r:embed="rId2"/>
-          <a:srcRect l="17432" t="21621" r="31081" b="9930"/>
-          <a:stretch/>
+          <a:stretch>
+            <a:fillRect/>
+          </a:stretch>
         </p:blipFill>
         <p:spPr>
           <a:xfrm>
-            <a:off x="2125362" y="346234"/>
-            <a:ext cx="7797114" cy="5830729"/>
+            <a:off x="2281237" y="3819525"/>
+            <a:ext cx="7629525" cy="1733550"/>
           </a:xfrm>
           <a:prstGeom prst="rect">
             <a:avLst/>
@@ -4163,7 +5068,7 @@
     </p:spTree>
     <p:extLst>
       <p:ext uri="{BB962C8B-B14F-4D97-AF65-F5344CB8AC3E}">
-        <p14:creationId xmlns:p14="http://schemas.microsoft.com/office/powerpoint/2010/main" val="2156560199"/>
+        <p14:creationId xmlns:p14="http://schemas.microsoft.com/office/powerpoint/2010/main" val="3316817523"/>
       </p:ext>
     </p:extLst>
   </p:cSld>
@@ -4195,7 +5100,7 @@
           <p:cNvPr id="2" name="Title 1">
             <a:extLst>
               <a:ext uri="{FF2B5EF4-FFF2-40B4-BE49-F238E27FC236}">
-                <a16:creationId xmlns:a16="http://schemas.microsoft.com/office/drawing/2014/main" id="{F34D7873-6079-41AF-8F8E-F687DE586AB2}"/>
+                <a16:creationId xmlns:a16="http://schemas.microsoft.com/office/drawing/2014/main" id="{071CE3BF-A84F-439C-9C68-95C077C60F5D}"/>
               </a:ext>
             </a:extLst>
           </p:cNvPr>
@@ -4213,7 +5118,7 @@
           <a:p>
             <a:r>
               <a:rPr lang="en-MY" dirty="0"/>
-              <a:t>Late Acceptance (LAHC)</a:t>
+              <a:t>Hard Constraint and Hard Score Rules</a:t>
             </a:r>
           </a:p>
         </p:txBody>
@@ -4223,7 +5128,7 @@
           <p:cNvPr id="3" name="Content Placeholder 2">
             <a:extLst>
               <a:ext uri="{FF2B5EF4-FFF2-40B4-BE49-F238E27FC236}">
-                <a16:creationId xmlns:a16="http://schemas.microsoft.com/office/drawing/2014/main" id="{70D651B4-4430-4A5C-86E1-DAE00AEA263A}"/>
+                <a16:creationId xmlns:a16="http://schemas.microsoft.com/office/drawing/2014/main" id="{0C9E73EB-1CDA-48CC-B870-42CEBEC27FD8}"/>
               </a:ext>
             </a:extLst>
           </p:cNvPr>
@@ -4241,41 +5146,57 @@
           <a:p>
             <a:r>
               <a:rPr lang="en-MY" dirty="0"/>
-              <a:t>Late acceptance size 400 is optimal for </a:t>
-            </a:r>
-            <a:r>
-              <a:rPr lang="en-MY" dirty="0" err="1"/>
-              <a:t>optaplanner</a:t>
-            </a:r>
-            <a:r>
-              <a:rPr lang="en-MY" dirty="0"/>
-              <a:t> where it is able to reach maximum score with less time.</a:t>
-            </a:r>
-          </a:p>
-          <a:p>
-            <a:r>
-              <a:rPr lang="en-MY" dirty="0"/>
-              <a:t>Increase acceptance size slow down the convergence speed.</a:t>
-            </a:r>
-          </a:p>
-          <a:p>
-            <a:r>
-              <a:rPr lang="en-MY" dirty="0"/>
-              <a:t>Decrease acceptance size increase the convergence speed but may not be returning the optimal result.</a:t>
-            </a:r>
-          </a:p>
-          <a:p>
-            <a:r>
-              <a:rPr lang="en-MY" dirty="0"/>
-              <a:t>Hence, 400 is a better choice compared to 200 and 600.</a:t>
-            </a:r>
-          </a:p>
-        </p:txBody>
-      </p:sp>
+              <a:t>The practitioner can also take leave on the certain day of the week.</a:t>
+            </a:r>
+          </a:p>
+          <a:p>
+            <a:r>
+              <a:rPr lang="en-MY" dirty="0"/>
+              <a:t> Hard score will be deducted accordingly.</a:t>
+            </a:r>
+          </a:p>
+          <a:p>
+            <a:pPr marL="0" indent="0">
+              <a:buNone/>
+            </a:pPr>
+            <a:endParaRPr lang="en-MY" dirty="0"/>
+          </a:p>
+        </p:txBody>
+      </p:sp>
+      <p:pic>
+        <p:nvPicPr>
+          <p:cNvPr id="5" name="Picture 4">
+            <a:extLst>
+              <a:ext uri="{FF2B5EF4-FFF2-40B4-BE49-F238E27FC236}">
+                <a16:creationId xmlns:a16="http://schemas.microsoft.com/office/drawing/2014/main" id="{C77E293F-134F-4E2B-9308-D9E5EFC765DB}"/>
+              </a:ext>
+            </a:extLst>
+          </p:cNvPr>
+          <p:cNvPicPr>
+            <a:picLocks noChangeAspect="1"/>
+          </p:cNvPicPr>
+          <p:nvPr/>
+        </p:nvPicPr>
+        <p:blipFill>
+          <a:blip r:embed="rId2"/>
+          <a:stretch>
+            <a:fillRect/>
+          </a:stretch>
+        </p:blipFill>
+        <p:spPr>
+          <a:xfrm>
+            <a:off x="1562100" y="3225006"/>
+            <a:ext cx="9067800" cy="1552575"/>
+          </a:xfrm>
+          <a:prstGeom prst="rect">
+            <a:avLst/>
+          </a:prstGeom>
+        </p:spPr>
+      </p:pic>
     </p:spTree>
     <p:extLst>
       <p:ext uri="{BB962C8B-B14F-4D97-AF65-F5344CB8AC3E}">
-        <p14:creationId xmlns:p14="http://schemas.microsoft.com/office/powerpoint/2010/main" val="3175304154"/>
+        <p14:creationId xmlns:p14="http://schemas.microsoft.com/office/powerpoint/2010/main" val="160116210"/>
       </p:ext>
     </p:extLst>
   </p:cSld>
@@ -4307,7 +5228,7 @@
           <p:cNvPr id="2" name="Title 1">
             <a:extLst>
               <a:ext uri="{FF2B5EF4-FFF2-40B4-BE49-F238E27FC236}">
-                <a16:creationId xmlns:a16="http://schemas.microsoft.com/office/drawing/2014/main" id="{9D470FF8-0D30-4CD5-84AF-B87AF4304C69}"/>
+                <a16:creationId xmlns:a16="http://schemas.microsoft.com/office/drawing/2014/main" id="{071CE3BF-A84F-439C-9C68-95C077C60F5D}"/>
               </a:ext>
             </a:extLst>
           </p:cNvPr>
@@ -4323,7 +5244,10 @@
           <a:bodyPr/>
           <a:lstStyle/>
           <a:p>
-            <a:endParaRPr lang="en-MY"/>
+            <a:r>
+              <a:rPr lang="en-MY" dirty="0"/>
+              <a:t>Soft Constraint and Soft Score Rules</a:t>
+            </a:r>
           </a:p>
         </p:txBody>
       </p:sp>
@@ -4332,7 +5256,7 @@
           <p:cNvPr id="3" name="Content Placeholder 2">
             <a:extLst>
               <a:ext uri="{FF2B5EF4-FFF2-40B4-BE49-F238E27FC236}">
-                <a16:creationId xmlns:a16="http://schemas.microsoft.com/office/drawing/2014/main" id="{87C2F03A-49CF-4C6B-B2F9-03AF95B2B327}"/>
+                <a16:creationId xmlns:a16="http://schemas.microsoft.com/office/drawing/2014/main" id="{0C9E73EB-1CDA-48CC-B870-42CEBEC27FD8}"/>
               </a:ext>
             </a:extLst>
           </p:cNvPr>
@@ -4348,43 +5272,29 @@
           <a:bodyPr/>
           <a:lstStyle/>
           <a:p>
-            <a:endParaRPr lang="en-MY"/>
-          </a:p>
-        </p:txBody>
-      </p:sp>
-      <p:pic>
-        <p:nvPicPr>
-          <p:cNvPr id="4" name="Picture 3">
-            <a:extLst>
-              <a:ext uri="{FF2B5EF4-FFF2-40B4-BE49-F238E27FC236}">
-                <a16:creationId xmlns:a16="http://schemas.microsoft.com/office/drawing/2014/main" id="{BFFCAE74-E672-4C04-ADD9-1EE1DCA159B3}"/>
-              </a:ext>
-            </a:extLst>
-          </p:cNvPr>
-          <p:cNvPicPr>
-            <a:picLocks noChangeAspect="1"/>
-          </p:cNvPicPr>
-          <p:nvPr/>
-        </p:nvPicPr>
-        <p:blipFill rotWithShape="1">
-          <a:blip r:embed="rId2"/>
-          <a:srcRect l="17331" t="21081" r="31487" b="9931"/>
-          <a:stretch/>
-        </p:blipFill>
-        <p:spPr>
-          <a:xfrm>
-            <a:off x="2014150" y="365125"/>
-            <a:ext cx="7883611" cy="5977266"/>
-          </a:xfrm>
-          <a:prstGeom prst="rect">
-            <a:avLst/>
-          </a:prstGeom>
-        </p:spPr>
-      </p:pic>
+            <a:r>
+              <a:rPr lang="en-MY" dirty="0"/>
+              <a:t>Practitioners’ gender, session location and session weekday preferred by the patient’s convenience will increase the soft score.</a:t>
+            </a:r>
+          </a:p>
+          <a:p>
+            <a:endParaRPr lang="en-MY" dirty="0"/>
+          </a:p>
+          <a:p>
+            <a:endParaRPr lang="en-MY" dirty="0"/>
+          </a:p>
+          <a:p>
+            <a:pPr marL="0" indent="0">
+              <a:buNone/>
+            </a:pPr>
+            <a:endParaRPr lang="en-MY" dirty="0"/>
+          </a:p>
+        </p:txBody>
+      </p:sp>
     </p:spTree>
     <p:extLst>
       <p:ext uri="{BB962C8B-B14F-4D97-AF65-F5344CB8AC3E}">
-        <p14:creationId xmlns:p14="http://schemas.microsoft.com/office/powerpoint/2010/main" val="3305613996"/>
+        <p14:creationId xmlns:p14="http://schemas.microsoft.com/office/powerpoint/2010/main" val="4145527983"/>
       </p:ext>
     </p:extLst>
   </p:cSld>
@@ -4416,7 +5326,7 @@
           <p:cNvPr id="2" name="Title 1">
             <a:extLst>
               <a:ext uri="{FF2B5EF4-FFF2-40B4-BE49-F238E27FC236}">
-                <a16:creationId xmlns:a16="http://schemas.microsoft.com/office/drawing/2014/main" id="{E01CEB2D-08E0-4641-9408-91557C9A7B6D}"/>
+                <a16:creationId xmlns:a16="http://schemas.microsoft.com/office/drawing/2014/main" id="{F82F137E-403F-4A6C-875B-266D55D3C2B3}"/>
               </a:ext>
             </a:extLst>
           </p:cNvPr>
@@ -4432,14 +5342,7 @@
           <a:bodyPr/>
           <a:lstStyle/>
           <a:p>
-            <a:r>
-              <a:rPr lang="en-MY" dirty="0" err="1"/>
-              <a:t>Tabu</a:t>
-            </a:r>
-            <a:r>
-              <a:rPr lang="en-MY" dirty="0"/>
-              <a:t> Search</a:t>
-            </a:r>
+            <a:endParaRPr lang="en-MY"/>
           </a:p>
         </p:txBody>
       </p:sp>
@@ -4448,7 +5351,7 @@
           <p:cNvPr id="3" name="Content Placeholder 2">
             <a:extLst>
               <a:ext uri="{FF2B5EF4-FFF2-40B4-BE49-F238E27FC236}">
-                <a16:creationId xmlns:a16="http://schemas.microsoft.com/office/drawing/2014/main" id="{72B63E5A-A48C-4FC9-AA81-EFF1120C5674}"/>
+                <a16:creationId xmlns:a16="http://schemas.microsoft.com/office/drawing/2014/main" id="{C59DB5A6-D08E-47B6-8DE5-1FE07AAE583E}"/>
               </a:ext>
             </a:extLst>
           </p:cNvPr>
@@ -4464,73 +5367,44 @@
           <a:bodyPr/>
           <a:lstStyle/>
           <a:p>
-            <a:r>
-              <a:rPr lang="en-MY" dirty="0" err="1"/>
-              <a:t>Tabu</a:t>
-            </a:r>
-            <a:r>
-              <a:rPr lang="en-MY" dirty="0"/>
-              <a:t> means “sacred and untouchable” in a native tribe language.</a:t>
-            </a:r>
-          </a:p>
-          <a:p>
-            <a:r>
-              <a:rPr lang="en-MY" dirty="0" err="1"/>
-              <a:t>Tabu</a:t>
-            </a:r>
-            <a:r>
-              <a:rPr lang="en-MY" dirty="0"/>
-              <a:t> search means a local search which do not choose the explored search domain.</a:t>
-            </a:r>
-          </a:p>
-          <a:p>
-            <a:r>
-              <a:rPr lang="en-MY" dirty="0" err="1"/>
-              <a:t>Tabu</a:t>
-            </a:r>
-            <a:r>
-              <a:rPr lang="en-MY" dirty="0"/>
-              <a:t> entity size, T specify the search value  within T step is not to be repeated.</a:t>
-            </a:r>
-          </a:p>
-          <a:p>
-            <a:r>
-              <a:rPr lang="en-MY" dirty="0"/>
-              <a:t>Thus, </a:t>
-            </a:r>
-            <a:r>
-              <a:rPr lang="en-MY" dirty="0" err="1"/>
-              <a:t>tabu</a:t>
-            </a:r>
-            <a:r>
-              <a:rPr lang="en-MY" dirty="0"/>
-              <a:t> search can be used after first fit construction.</a:t>
-            </a:r>
-          </a:p>
-          <a:p>
-            <a:r>
-              <a:rPr lang="en-MY" dirty="0" err="1"/>
-              <a:t>Optaplanner</a:t>
-            </a:r>
-            <a:r>
-              <a:rPr lang="en-MY" dirty="0"/>
-              <a:t> allows T to be altered (as </a:t>
-            </a:r>
-            <a:r>
-              <a:rPr lang="en-MY" dirty="0" err="1"/>
-              <a:t>Tabu</a:t>
-            </a:r>
-            <a:r>
-              <a:rPr lang="en-MY" dirty="0"/>
-              <a:t> entity size).</a:t>
-            </a:r>
-          </a:p>
-        </p:txBody>
-      </p:sp>
+            <a:endParaRPr lang="en-MY"/>
+          </a:p>
+        </p:txBody>
+      </p:sp>
+      <p:pic>
+        <p:nvPicPr>
+          <p:cNvPr id="4" name="Picture 3">
+            <a:extLst>
+              <a:ext uri="{FF2B5EF4-FFF2-40B4-BE49-F238E27FC236}">
+                <a16:creationId xmlns:a16="http://schemas.microsoft.com/office/drawing/2014/main" id="{B249B793-C51A-4BA8-B0A9-854B3625270D}"/>
+              </a:ext>
+            </a:extLst>
+          </p:cNvPr>
+          <p:cNvPicPr>
+            <a:picLocks noChangeAspect="1"/>
+          </p:cNvPicPr>
+          <p:nvPr/>
+        </p:nvPicPr>
+        <p:blipFill>
+          <a:blip r:embed="rId2"/>
+          <a:stretch>
+            <a:fillRect/>
+          </a:stretch>
+        </p:blipFill>
+        <p:spPr>
+          <a:xfrm>
+            <a:off x="2400300" y="838200"/>
+            <a:ext cx="7391400" cy="5181600"/>
+          </a:xfrm>
+          <a:prstGeom prst="rect">
+            <a:avLst/>
+          </a:prstGeom>
+        </p:spPr>
+      </p:pic>
     </p:spTree>
     <p:extLst>
       <p:ext uri="{BB962C8B-B14F-4D97-AF65-F5344CB8AC3E}">
-        <p14:creationId xmlns:p14="http://schemas.microsoft.com/office/powerpoint/2010/main" val="4284748176"/>
+        <p14:creationId xmlns:p14="http://schemas.microsoft.com/office/powerpoint/2010/main" val="2293489326"/>
       </p:ext>
     </p:extLst>
   </p:cSld>
@@ -4562,7 +5436,7 @@
           <p:cNvPr id="2" name="Title 1">
             <a:extLst>
               <a:ext uri="{FF2B5EF4-FFF2-40B4-BE49-F238E27FC236}">
-                <a16:creationId xmlns:a16="http://schemas.microsoft.com/office/drawing/2014/main" id="{619B57AA-521F-4BFF-8968-9B99EFD85466}"/>
+                <a16:creationId xmlns:a16="http://schemas.microsoft.com/office/drawing/2014/main" id="{071CE3BF-A84F-439C-9C68-95C077C60F5D}"/>
               </a:ext>
             </a:extLst>
           </p:cNvPr>
@@ -4578,7 +5452,10 @@
           <a:bodyPr/>
           <a:lstStyle/>
           <a:p>
-            <a:endParaRPr lang="en-MY"/>
+            <a:r>
+              <a:rPr lang="en-MY" dirty="0"/>
+              <a:t>Soft Constraint and Soft Score Rules</a:t>
+            </a:r>
           </a:p>
         </p:txBody>
       </p:sp>
@@ -4587,7 +5464,7 @@
           <p:cNvPr id="3" name="Content Placeholder 2">
             <a:extLst>
               <a:ext uri="{FF2B5EF4-FFF2-40B4-BE49-F238E27FC236}">
-                <a16:creationId xmlns:a16="http://schemas.microsoft.com/office/drawing/2014/main" id="{07C6DE33-7DC4-4065-AA65-8B287FC82031}"/>
+                <a16:creationId xmlns:a16="http://schemas.microsoft.com/office/drawing/2014/main" id="{0C9E73EB-1CDA-48CC-B870-42CEBEC27FD8}"/>
               </a:ext>
             </a:extLst>
           </p:cNvPr>
@@ -4603,7 +5480,19 @@
           <a:bodyPr/>
           <a:lstStyle/>
           <a:p>
-            <a:endParaRPr lang="en-MY"/>
+            <a:r>
+              <a:rPr lang="en-MY" dirty="0"/>
+              <a:t>Practitioners’ session cost will also be considered. The soft score is increased by the saving from maximum cost among the practitioners.</a:t>
+            </a:r>
+          </a:p>
+          <a:p>
+            <a:endParaRPr lang="en-MY" dirty="0"/>
+          </a:p>
+          <a:p>
+            <a:pPr marL="0" indent="0">
+              <a:buNone/>
+            </a:pPr>
+            <a:endParaRPr lang="en-MY" dirty="0"/>
           </a:p>
         </p:txBody>
       </p:sp>
@@ -4612,7 +5501,7 @@
           <p:cNvPr id="4" name="Picture 3">
             <a:extLst>
               <a:ext uri="{FF2B5EF4-FFF2-40B4-BE49-F238E27FC236}">
-                <a16:creationId xmlns:a16="http://schemas.microsoft.com/office/drawing/2014/main" id="{B2627857-570D-495D-8A5A-A1D8914547E4}"/>
+                <a16:creationId xmlns:a16="http://schemas.microsoft.com/office/drawing/2014/main" id="{157EC4F5-1152-4AF9-97F5-F1F0DDBE59BB}"/>
               </a:ext>
             </a:extLst>
           </p:cNvPr>
@@ -4621,15 +5510,16 @@
           </p:cNvPicPr>
           <p:nvPr/>
         </p:nvPicPr>
-        <p:blipFill rotWithShape="1">
+        <p:blipFill>
           <a:blip r:embed="rId2"/>
-          <a:srcRect l="18852" t="21261" r="31487" b="9931"/>
-          <a:stretch/>
+          <a:stretch>
+            <a:fillRect/>
+          </a:stretch>
         </p:blipFill>
         <p:spPr>
           <a:xfrm>
-            <a:off x="2520779" y="365125"/>
-            <a:ext cx="7722974" cy="6018963"/>
+            <a:off x="2100262" y="2857500"/>
+            <a:ext cx="7991475" cy="1143000"/>
           </a:xfrm>
           <a:prstGeom prst="rect">
             <a:avLst/>
@@ -4639,7 +5529,7 @@
     </p:spTree>
     <p:extLst>
       <p:ext uri="{BB962C8B-B14F-4D97-AF65-F5344CB8AC3E}">
-        <p14:creationId xmlns:p14="http://schemas.microsoft.com/office/powerpoint/2010/main" val="1094533918"/>
+        <p14:creationId xmlns:p14="http://schemas.microsoft.com/office/powerpoint/2010/main" val="2756932738"/>
       </p:ext>
     </p:extLst>
   </p:cSld>
@@ -4671,93 +5561,58 @@
           <p:cNvPr id="2" name="Title 1">
             <a:extLst>
               <a:ext uri="{FF2B5EF4-FFF2-40B4-BE49-F238E27FC236}">
-                <a16:creationId xmlns:a16="http://schemas.microsoft.com/office/drawing/2014/main" id="{E01CEB2D-08E0-4641-9408-91557C9A7B6D}"/>
-              </a:ext>
-            </a:extLst>
-          </p:cNvPr>
-          <p:cNvSpPr>
-            <a:spLocks noGrp="1"/>
-          </p:cNvSpPr>
-          <p:nvPr>
-            <p:ph type="title"/>
-          </p:nvPr>
-        </p:nvSpPr>
-        <p:spPr/>
-        <p:txBody>
-          <a:bodyPr/>
-          <a:lstStyle/>
-          <a:p>
-            <a:r>
-              <a:rPr lang="en-MY" dirty="0" err="1"/>
-              <a:t>Tabu</a:t>
-            </a:r>
-            <a:r>
-              <a:rPr lang="en-MY" dirty="0"/>
-              <a:t> Search</a:t>
-            </a:r>
-          </a:p>
-        </p:txBody>
-      </p:sp>
-      <p:sp>
-        <p:nvSpPr>
-          <p:cNvPr id="3" name="Content Placeholder 2">
-            <a:extLst>
-              <a:ext uri="{FF2B5EF4-FFF2-40B4-BE49-F238E27FC236}">
-                <a16:creationId xmlns:a16="http://schemas.microsoft.com/office/drawing/2014/main" id="{72B63E5A-A48C-4FC9-AA81-EFF1120C5674}"/>
-              </a:ext>
-            </a:extLst>
-          </p:cNvPr>
-          <p:cNvSpPr>
-            <a:spLocks noGrp="1"/>
-          </p:cNvSpPr>
-          <p:nvPr>
-            <p:ph idx="1"/>
-          </p:nvPr>
-        </p:nvSpPr>
-        <p:spPr/>
-        <p:txBody>
-          <a:bodyPr/>
-          <a:lstStyle/>
-          <a:p>
-            <a:r>
-              <a:rPr lang="en-MY" dirty="0"/>
-              <a:t>T is found to be optimized as 7 in the problem domain. Increasing T may unnecessarily restrict the value to be repeated while decreasing T may ended with extra searching while not finding the way to get out of local extrema.</a:t>
-            </a:r>
-          </a:p>
-          <a:p>
-            <a:r>
-              <a:rPr lang="en-MY" dirty="0"/>
-              <a:t>Compare with local acceptance with 400 as acceptance size, </a:t>
-            </a:r>
-            <a:r>
-              <a:rPr lang="en-MY" dirty="0" err="1"/>
-              <a:t>Tabu</a:t>
-            </a:r>
-            <a:r>
-              <a:rPr lang="en-MY" dirty="0"/>
-              <a:t> search with </a:t>
-            </a:r>
-            <a:r>
-              <a:rPr lang="en-MY" dirty="0" err="1"/>
-              <a:t>Tabu</a:t>
-            </a:r>
-            <a:r>
-              <a:rPr lang="en-MY" dirty="0"/>
-              <a:t> size of 7 may be effective in earlier stage but it may not getting into global maxima faster than LAHC.</a:t>
-            </a:r>
-          </a:p>
-          <a:p>
-            <a:r>
-              <a:rPr lang="en-MY" dirty="0"/>
-              <a:t>Hence, LAHC with late acceptance size of 400 is still preferable.</a:t>
-            </a:r>
+                <a16:creationId xmlns:a16="http://schemas.microsoft.com/office/drawing/2014/main" id="{7B9F908B-55BA-4AAB-A358-BEA3E0D66D85}"/>
+              </a:ext>
+            </a:extLst>
+          </p:cNvPr>
+          <p:cNvSpPr>
+            <a:spLocks noGrp="1"/>
+          </p:cNvSpPr>
+          <p:nvPr>
+            <p:ph type="ctrTitle"/>
+          </p:nvPr>
+        </p:nvSpPr>
+        <p:spPr/>
+        <p:txBody>
+          <a:bodyPr/>
+          <a:lstStyle/>
+          <a:p>
+            <a:r>
+              <a:rPr lang="en-MY" dirty="0"/>
+              <a:t>Comparison in between Searching Method</a:t>
+            </a:r>
+          </a:p>
+        </p:txBody>
+      </p:sp>
+      <p:sp>
+        <p:nvSpPr>
+          <p:cNvPr id="3" name="Subtitle 2">
+            <a:extLst>
+              <a:ext uri="{FF2B5EF4-FFF2-40B4-BE49-F238E27FC236}">
+                <a16:creationId xmlns:a16="http://schemas.microsoft.com/office/drawing/2014/main" id="{2D7BA056-85C1-4CED-9DC5-F1549BBE568E}"/>
+              </a:ext>
+            </a:extLst>
+          </p:cNvPr>
+          <p:cNvSpPr>
+            <a:spLocks noGrp="1"/>
+          </p:cNvSpPr>
+          <p:nvPr>
+            <p:ph type="subTitle" idx="1"/>
+          </p:nvPr>
+        </p:nvSpPr>
+        <p:spPr/>
+        <p:txBody>
+          <a:bodyPr/>
+          <a:lstStyle/>
+          <a:p>
+            <a:endParaRPr lang="en-MY"/>
           </a:p>
         </p:txBody>
       </p:sp>
     </p:spTree>
     <p:extLst>
       <p:ext uri="{BB962C8B-B14F-4D97-AF65-F5344CB8AC3E}">
-        <p14:creationId xmlns:p14="http://schemas.microsoft.com/office/powerpoint/2010/main" val="3319708155"/>
+        <p14:creationId xmlns:p14="http://schemas.microsoft.com/office/powerpoint/2010/main" val="636112476"/>
       </p:ext>
     </p:extLst>
   </p:cSld>
